--- a/LplcSimulator/LplcSimulator/卒論/モデル図（査読対応版）r3.pptx
+++ b/LplcSimulator/LplcSimulator/卒論/モデル図（査読対応版）r3.pptx
@@ -116,7 +116,7 @@
 </file>
 
 <file path=ppt/charts/chart1.xml><?xml version="1.0" encoding="utf-8"?>
-<c:chartSpace xmlns:c="http://schemas.openxmlformats.org/drawingml/2006/chart" xmlns:a="http://schemas.openxmlformats.org/drawingml/2006/main" xmlns:r="http://schemas.openxmlformats.org/officeDocument/2006/relationships" xmlns:c16r2="http://schemas.microsoft.com/office/drawing/2015/06/chart">
+<c:chartSpace xmlns:c="http://schemas.openxmlformats.org/drawingml/2006/chart" xmlns:a="http://schemas.openxmlformats.org/drawingml/2006/main" xmlns:r="http://schemas.openxmlformats.org/officeDocument/2006/relationships">
   <c:date1904 val="0"/>
   <c:lang val="ja-JP"/>
   <c:roundedCorners val="0"/>
@@ -779,7 +779,7 @@
             </c:numRef>
           </c:val>
           <c:smooth val="0"/>
-          <c:extLst>
+          <c:extLst xmlns:c16r2="http://schemas.microsoft.com/office/drawing/2015/06/chart">
             <c:ext xmlns:c16="http://schemas.microsoft.com/office/drawing/2014/chart" uri="{C3380CC4-5D6E-409C-BE32-E72D297353CC}">
               <c16:uniqueId val="{00000000-6C11-4AED-B0C1-67F45F9C9A7A}"/>
             </c:ext>
@@ -794,11 +794,11 @@
           <c:showBubbleSize val="0"/>
         </c:dLbls>
         <c:smooth val="0"/>
-        <c:axId val="1724127552"/>
-        <c:axId val="1724132960"/>
+        <c:axId val="599540928"/>
+        <c:axId val="599536224"/>
       </c:lineChart>
       <c:catAx>
-        <c:axId val="1724127552"/>
+        <c:axId val="599540928"/>
         <c:scaling>
           <c:orientation val="minMax"/>
         </c:scaling>
@@ -917,7 +917,7 @@
             <a:endParaRPr lang="ja-JP"/>
           </a:p>
         </c:txPr>
-        <c:crossAx val="1724132960"/>
+        <c:crossAx val="599536224"/>
         <c:crosses val="autoZero"/>
         <c:auto val="1"/>
         <c:lblAlgn val="ctr"/>
@@ -927,7 +927,7 @@
         <c:noMultiLvlLbl val="0"/>
       </c:catAx>
       <c:valAx>
-        <c:axId val="1724132960"/>
+        <c:axId val="599536224"/>
         <c:scaling>
           <c:orientation val="minMax"/>
           <c:max val="1"/>
@@ -1033,7 +1033,7 @@
             <a:endParaRPr lang="ja-JP"/>
           </a:p>
         </c:txPr>
-        <c:crossAx val="1724127552"/>
+        <c:crossAx val="599540928"/>
         <c:crossesAt val="1"/>
         <c:crossBetween val="between"/>
       </c:valAx>
@@ -2015,7 +2015,7 @@
           <a:p>
             <a:fld id="{BCD63878-2084-4F7C-A673-4126DA7C2679}" type="datetimeFigureOut">
               <a:rPr kumimoji="1" lang="ja-JP" altLang="en-US" smtClean="0"/>
-              <a:t>2018/8/21</a:t>
+              <a:t>2019/2/25</a:t>
             </a:fld>
             <a:endParaRPr kumimoji="1" lang="ja-JP" altLang="en-US"/>
           </a:p>
@@ -2217,7 +2217,7 @@
           <a:p>
             <a:fld id="{BCD63878-2084-4F7C-A673-4126DA7C2679}" type="datetimeFigureOut">
               <a:rPr kumimoji="1" lang="ja-JP" altLang="en-US" smtClean="0"/>
-              <a:t>2018/8/21</a:t>
+              <a:t>2019/2/25</a:t>
             </a:fld>
             <a:endParaRPr kumimoji="1" lang="ja-JP" altLang="en-US"/>
           </a:p>
@@ -2429,7 +2429,7 @@
           <a:p>
             <a:fld id="{BCD63878-2084-4F7C-A673-4126DA7C2679}" type="datetimeFigureOut">
               <a:rPr kumimoji="1" lang="ja-JP" altLang="en-US" smtClean="0"/>
-              <a:t>2018/8/21</a:t>
+              <a:t>2019/2/25</a:t>
             </a:fld>
             <a:endParaRPr kumimoji="1" lang="ja-JP" altLang="en-US"/>
           </a:p>
@@ -2639,7 +2639,7 @@
           <a:p>
             <a:fld id="{BCD63878-2084-4F7C-A673-4126DA7C2679}" type="datetimeFigureOut">
               <a:rPr kumimoji="1" lang="ja-JP" altLang="en-US" smtClean="0"/>
-              <a:t>2018/8/21</a:t>
+              <a:t>2019/2/25</a:t>
             </a:fld>
             <a:endParaRPr kumimoji="1" lang="ja-JP" altLang="en-US"/>
           </a:p>
@@ -3690,7 +3690,7 @@
           <a:p>
             <a:fld id="{BCD63878-2084-4F7C-A673-4126DA7C2679}" type="datetimeFigureOut">
               <a:rPr kumimoji="1" lang="ja-JP" altLang="en-US" smtClean="0"/>
-              <a:t>2018/8/21</a:t>
+              <a:t>2019/2/25</a:t>
             </a:fld>
             <a:endParaRPr kumimoji="1" lang="ja-JP" altLang="en-US"/>
           </a:p>
@@ -3986,7 +3986,7 @@
           <a:p>
             <a:fld id="{BCD63878-2084-4F7C-A673-4126DA7C2679}" type="datetimeFigureOut">
               <a:rPr kumimoji="1" lang="ja-JP" altLang="en-US" smtClean="0"/>
-              <a:t>2018/8/21</a:t>
+              <a:t>2019/2/25</a:t>
             </a:fld>
             <a:endParaRPr kumimoji="1" lang="ja-JP" altLang="en-US"/>
           </a:p>
@@ -4417,7 +4417,7 @@
           <a:p>
             <a:fld id="{BCD63878-2084-4F7C-A673-4126DA7C2679}" type="datetimeFigureOut">
               <a:rPr kumimoji="1" lang="ja-JP" altLang="en-US" smtClean="0"/>
-              <a:t>2018/8/21</a:t>
+              <a:t>2019/2/25</a:t>
             </a:fld>
             <a:endParaRPr kumimoji="1" lang="ja-JP" altLang="en-US"/>
           </a:p>
@@ -4535,7 +4535,7 @@
           <a:p>
             <a:fld id="{BCD63878-2084-4F7C-A673-4126DA7C2679}" type="datetimeFigureOut">
               <a:rPr kumimoji="1" lang="ja-JP" altLang="en-US" smtClean="0"/>
-              <a:t>2018/8/21</a:t>
+              <a:t>2019/2/25</a:t>
             </a:fld>
             <a:endParaRPr kumimoji="1" lang="ja-JP" altLang="en-US"/>
           </a:p>
@@ -4630,7 +4630,7 @@
           <a:p>
             <a:fld id="{BCD63878-2084-4F7C-A673-4126DA7C2679}" type="datetimeFigureOut">
               <a:rPr kumimoji="1" lang="ja-JP" altLang="en-US" smtClean="0"/>
-              <a:t>2018/8/21</a:t>
+              <a:t>2019/2/25</a:t>
             </a:fld>
             <a:endParaRPr kumimoji="1" lang="ja-JP" altLang="en-US"/>
           </a:p>
@@ -4939,7 +4939,7 @@
           <a:p>
             <a:fld id="{BCD63878-2084-4F7C-A673-4126DA7C2679}" type="datetimeFigureOut">
               <a:rPr kumimoji="1" lang="ja-JP" altLang="en-US" smtClean="0"/>
-              <a:t>2018/8/21</a:t>
+              <a:t>2019/2/25</a:t>
             </a:fld>
             <a:endParaRPr kumimoji="1" lang="ja-JP" altLang="en-US"/>
           </a:p>
@@ -5196,7 +5196,7 @@
           <a:p>
             <a:fld id="{BCD63878-2084-4F7C-A673-4126DA7C2679}" type="datetimeFigureOut">
               <a:rPr kumimoji="1" lang="ja-JP" altLang="en-US" smtClean="0"/>
-              <a:t>2018/8/21</a:t>
+              <a:t>2019/2/25</a:t>
             </a:fld>
             <a:endParaRPr kumimoji="1" lang="ja-JP" altLang="en-US"/>
           </a:p>
@@ -5441,7 +5441,7 @@
           <a:p>
             <a:fld id="{BCD63878-2084-4F7C-A673-4126DA7C2679}" type="datetimeFigureOut">
               <a:rPr kumimoji="1" lang="ja-JP" altLang="en-US" smtClean="0"/>
-              <a:t>2018/8/21</a:t>
+              <a:t>2019/2/25</a:t>
             </a:fld>
             <a:endParaRPr kumimoji="1" lang="ja-JP" altLang="en-US"/>
           </a:p>
@@ -12634,124 +12634,9 @@
           </a:p>
         </p:txBody>
       </p:sp>
-      <p:sp>
-        <p:nvSpPr>
-          <p:cNvPr id="4" name="正方形/長方形 3"/>
-          <p:cNvSpPr/>
-          <p:nvPr/>
-        </p:nvSpPr>
-        <p:spPr>
-          <a:xfrm rot="5400000">
-            <a:off x="1892250" y="406130"/>
-            <a:ext cx="6034236" cy="11064131"/>
-          </a:xfrm>
-          <a:prstGeom prst="rect">
-            <a:avLst/>
-          </a:prstGeom>
-          <a:solidFill>
-            <a:schemeClr val="bg1"/>
-          </a:solidFill>
-          <a:ln w="38100">
-            <a:solidFill>
-              <a:schemeClr val="tx1"/>
-            </a:solidFill>
-          </a:ln>
-        </p:spPr>
-        <p:style>
-          <a:lnRef idx="2">
-            <a:schemeClr val="accent1">
-              <a:shade val="50000"/>
-            </a:schemeClr>
-          </a:lnRef>
-          <a:fillRef idx="1">
-            <a:schemeClr val="accent1"/>
-          </a:fillRef>
-          <a:effectRef idx="0">
-            <a:schemeClr val="accent1"/>
-          </a:effectRef>
-          <a:fontRef idx="minor">
-            <a:schemeClr val="lt1"/>
-          </a:fontRef>
-        </p:style>
-        <p:txBody>
-          <a:bodyPr rtlCol="0" anchor="ctr"/>
-          <a:lstStyle/>
-          <a:p>
-            <a:pPr algn="ctr"/>
-            <a:endParaRPr kumimoji="1" lang="ja-JP" altLang="en-US"/>
-          </a:p>
-        </p:txBody>
-      </p:sp>
-      <p:cxnSp>
-        <p:nvCxnSpPr>
-          <p:cNvPr id="118" name="直線矢印コネクタ 117"/>
-          <p:cNvCxnSpPr/>
-          <p:nvPr/>
-        </p:nvCxnSpPr>
-        <p:spPr>
-          <a:xfrm>
-            <a:off x="-163423" y="5183734"/>
-            <a:ext cx="0" cy="713739"/>
-          </a:xfrm>
-          <a:prstGeom prst="straightConnector1">
-            <a:avLst/>
-          </a:prstGeom>
-          <a:ln w="63500">
-            <a:solidFill>
-              <a:schemeClr val="tx1"/>
-            </a:solidFill>
-            <a:headEnd type="triangle"/>
-            <a:tailEnd type="triangle"/>
-          </a:ln>
-        </p:spPr>
-        <p:style>
-          <a:lnRef idx="1">
-            <a:schemeClr val="accent1"/>
-          </a:lnRef>
-          <a:fillRef idx="0">
-            <a:schemeClr val="accent1"/>
-          </a:fillRef>
-          <a:effectRef idx="0">
-            <a:schemeClr val="accent1"/>
-          </a:effectRef>
-          <a:fontRef idx="minor">
-            <a:schemeClr val="tx1"/>
-          </a:fontRef>
-        </p:style>
-      </p:cxnSp>
-      <p:sp>
-        <p:nvSpPr>
-          <p:cNvPr id="119" name="テキスト ボックス 118"/>
-          <p:cNvSpPr txBox="1"/>
-          <p:nvPr/>
-        </p:nvSpPr>
-        <p:spPr>
-          <a:xfrm>
-            <a:off x="-38959" y="5285651"/>
-            <a:ext cx="522900" cy="400110"/>
-          </a:xfrm>
-          <a:prstGeom prst="rect">
-            <a:avLst/>
-          </a:prstGeom>
-          <a:noFill/>
-        </p:spPr>
-        <p:txBody>
-          <a:bodyPr wrap="none" rtlCol="0">
-            <a:spAutoFit/>
-          </a:bodyPr>
-          <a:lstStyle/>
-          <a:p>
-            <a:r>
-              <a:rPr kumimoji="1" lang="en-US" altLang="ja-JP" sz="2000" b="1" dirty="0" smtClean="0"/>
-              <a:t>5m</a:t>
-            </a:r>
-            <a:endParaRPr kumimoji="1" lang="ja-JP" altLang="en-US" sz="2000" b="1" dirty="0"/>
-          </a:p>
-        </p:txBody>
-      </p:sp>
       <p:pic>
         <p:nvPicPr>
-          <p:cNvPr id="120" name="図 119"/>
+          <p:cNvPr id="425" name="図 424"/>
           <p:cNvPicPr>
             <a:picLocks noChangeAspect="1"/>
           </p:cNvPicPr>
@@ -12764,355 +12649,6 @@
           </a:stretch>
         </p:blipFill>
         <p:spPr>
-          <a:xfrm rot="2080266">
-            <a:off x="8816574" y="6675281"/>
-            <a:ext cx="1003179" cy="1488050"/>
-          </a:xfrm>
-          <a:prstGeom prst="rect">
-            <a:avLst/>
-          </a:prstGeom>
-        </p:spPr>
-      </p:pic>
-      <p:sp>
-        <p:nvSpPr>
-          <p:cNvPr id="121" name="正方形/長方形 120"/>
-          <p:cNvSpPr/>
-          <p:nvPr/>
-        </p:nvSpPr>
-        <p:spPr>
-          <a:xfrm>
-            <a:off x="-354172" y="6734635"/>
-            <a:ext cx="8508688" cy="1805058"/>
-          </a:xfrm>
-          <a:prstGeom prst="rect">
-            <a:avLst/>
-          </a:prstGeom>
-          <a:solidFill>
-            <a:schemeClr val="bg1"/>
-          </a:solidFill>
-          <a:ln w="38100">
-            <a:solidFill>
-              <a:schemeClr val="tx1"/>
-            </a:solidFill>
-          </a:ln>
-        </p:spPr>
-        <p:style>
-          <a:lnRef idx="2">
-            <a:schemeClr val="accent1">
-              <a:shade val="50000"/>
-            </a:schemeClr>
-          </a:lnRef>
-          <a:fillRef idx="1">
-            <a:schemeClr val="accent1"/>
-          </a:fillRef>
-          <a:effectRef idx="0">
-            <a:schemeClr val="accent1"/>
-          </a:effectRef>
-          <a:fontRef idx="minor">
-            <a:schemeClr val="lt1"/>
-          </a:fontRef>
-        </p:style>
-        <p:txBody>
-          <a:bodyPr rtlCol="0" anchor="ctr"/>
-          <a:lstStyle/>
-          <a:p>
-            <a:pPr algn="ctr"/>
-            <a:endParaRPr kumimoji="1" lang="ja-JP" altLang="en-US"/>
-          </a:p>
-        </p:txBody>
-      </p:sp>
-      <p:cxnSp>
-        <p:nvCxnSpPr>
-          <p:cNvPr id="122" name="直線コネクタ 121"/>
-          <p:cNvCxnSpPr/>
-          <p:nvPr/>
-        </p:nvCxnSpPr>
-        <p:spPr>
-          <a:xfrm flipH="1">
-            <a:off x="-140998" y="7764573"/>
-            <a:ext cx="666580" cy="0"/>
-          </a:xfrm>
-          <a:prstGeom prst="line">
-            <a:avLst/>
-          </a:prstGeom>
-          <a:ln w="63500">
-            <a:solidFill>
-              <a:srgbClr val="FF0000"/>
-            </a:solidFill>
-            <a:headEnd type="triangle"/>
-          </a:ln>
-        </p:spPr>
-        <p:style>
-          <a:lnRef idx="1">
-            <a:schemeClr val="dk1"/>
-          </a:lnRef>
-          <a:fillRef idx="0">
-            <a:schemeClr val="dk1"/>
-          </a:fillRef>
-          <a:effectRef idx="0">
-            <a:schemeClr val="dk1"/>
-          </a:effectRef>
-          <a:fontRef idx="minor">
-            <a:schemeClr val="tx1"/>
-          </a:fontRef>
-        </p:style>
-      </p:cxnSp>
-      <p:sp>
-        <p:nvSpPr>
-          <p:cNvPr id="123" name="楕円 122"/>
-          <p:cNvSpPr/>
-          <p:nvPr/>
-        </p:nvSpPr>
-        <p:spPr>
-          <a:xfrm>
-            <a:off x="5363972" y="7395470"/>
-            <a:ext cx="704532" cy="704532"/>
-          </a:xfrm>
-          <a:prstGeom prst="ellipse">
-            <a:avLst/>
-          </a:prstGeom>
-          <a:solidFill>
-            <a:srgbClr val="FFFF00">
-              <a:alpha val="20000"/>
-            </a:srgbClr>
-          </a:solidFill>
-          <a:ln w="50800">
-            <a:solidFill>
-              <a:srgbClr val="FF9900">
-                <a:alpha val="60000"/>
-              </a:srgbClr>
-            </a:solidFill>
-          </a:ln>
-        </p:spPr>
-        <p:style>
-          <a:lnRef idx="2">
-            <a:schemeClr val="accent1">
-              <a:shade val="50000"/>
-            </a:schemeClr>
-          </a:lnRef>
-          <a:fillRef idx="1">
-            <a:schemeClr val="accent1"/>
-          </a:fillRef>
-          <a:effectRef idx="0">
-            <a:schemeClr val="accent1"/>
-          </a:effectRef>
-          <a:fontRef idx="minor">
-            <a:schemeClr val="lt1"/>
-          </a:fontRef>
-        </p:style>
-        <p:txBody>
-          <a:bodyPr rtlCol="0" anchor="ctr"/>
-          <a:lstStyle/>
-          <a:p>
-            <a:pPr algn="ctr"/>
-            <a:endParaRPr kumimoji="1" lang="ja-JP" altLang="en-US"/>
-          </a:p>
-        </p:txBody>
-      </p:sp>
-      <p:sp>
-        <p:nvSpPr>
-          <p:cNvPr id="124" name="テキスト ボックス 123"/>
-          <p:cNvSpPr txBox="1"/>
-          <p:nvPr/>
-        </p:nvSpPr>
-        <p:spPr>
-          <a:xfrm>
-            <a:off x="529230" y="7410065"/>
-            <a:ext cx="2061646" cy="707886"/>
-          </a:xfrm>
-          <a:prstGeom prst="rect">
-            <a:avLst/>
-          </a:prstGeom>
-          <a:noFill/>
-        </p:spPr>
-        <p:txBody>
-          <a:bodyPr wrap="square" rtlCol="0">
-            <a:spAutoFit/>
-          </a:bodyPr>
-          <a:lstStyle/>
-          <a:p>
-            <a:r>
-              <a:rPr kumimoji="1" lang="ja-JP" altLang="en-US" sz="2000" b="1" dirty="0" smtClean="0"/>
-              <a:t>追跡対象者の</a:t>
-            </a:r>
-            <a:endParaRPr kumimoji="1" lang="en-US" altLang="ja-JP" sz="2000" b="1" dirty="0" smtClean="0"/>
-          </a:p>
-          <a:p>
-            <a:r>
-              <a:rPr kumimoji="1" lang="ja-JP" altLang="en-US" sz="2000" b="1" dirty="0" smtClean="0"/>
-              <a:t>移動経路</a:t>
-            </a:r>
-            <a:endParaRPr kumimoji="1" lang="ja-JP" altLang="en-US" sz="2000" b="1" dirty="0"/>
-          </a:p>
-        </p:txBody>
-      </p:sp>
-      <p:sp>
-        <p:nvSpPr>
-          <p:cNvPr id="125" name="テキスト ボックス 124"/>
-          <p:cNvSpPr txBox="1"/>
-          <p:nvPr/>
-        </p:nvSpPr>
-        <p:spPr>
-          <a:xfrm>
-            <a:off x="6080687" y="7391166"/>
-            <a:ext cx="2061646" cy="707886"/>
-          </a:xfrm>
-          <a:prstGeom prst="rect">
-            <a:avLst/>
-          </a:prstGeom>
-          <a:noFill/>
-        </p:spPr>
-        <p:txBody>
-          <a:bodyPr wrap="square" rtlCol="0">
-            <a:spAutoFit/>
-          </a:bodyPr>
-          <a:lstStyle/>
-          <a:p>
-            <a:r>
-              <a:rPr kumimoji="1" lang="ja-JP" altLang="en-US" sz="2000" b="1" dirty="0" smtClean="0"/>
-              <a:t>センサの</a:t>
-            </a:r>
-            <a:endParaRPr kumimoji="1" lang="en-US" altLang="ja-JP" sz="2000" b="1" dirty="0" smtClean="0"/>
-          </a:p>
-          <a:p>
-            <a:r>
-              <a:rPr kumimoji="1" lang="ja-JP" altLang="en-US" sz="2000" b="1" dirty="0" smtClean="0"/>
-              <a:t>有効検知範囲</a:t>
-            </a:r>
-            <a:endParaRPr kumimoji="1" lang="ja-JP" altLang="en-US" sz="2000" b="1" dirty="0"/>
-          </a:p>
-        </p:txBody>
-      </p:sp>
-      <p:sp>
-        <p:nvSpPr>
-          <p:cNvPr id="126" name="テキスト ボックス 125"/>
-          <p:cNvSpPr txBox="1"/>
-          <p:nvPr/>
-        </p:nvSpPr>
-        <p:spPr>
-          <a:xfrm>
-            <a:off x="-386667" y="6842720"/>
-            <a:ext cx="1723549" cy="400110"/>
-          </a:xfrm>
-          <a:prstGeom prst="rect">
-            <a:avLst/>
-          </a:prstGeom>
-          <a:noFill/>
-        </p:spPr>
-        <p:txBody>
-          <a:bodyPr wrap="none" rtlCol="0">
-            <a:spAutoFit/>
-          </a:bodyPr>
-          <a:lstStyle/>
-          <a:p>
-            <a:r>
-              <a:rPr kumimoji="1" lang="en-US" altLang="ja-JP" sz="2000" b="1" dirty="0" smtClean="0"/>
-              <a:t>【</a:t>
-            </a:r>
-            <a:r>
-              <a:rPr kumimoji="1" lang="ja-JP" altLang="en-US" sz="2000" b="1" dirty="0" smtClean="0"/>
-              <a:t>記号凡例</a:t>
-            </a:r>
-            <a:r>
-              <a:rPr kumimoji="1" lang="en-US" altLang="ja-JP" sz="2000" b="1" dirty="0" smtClean="0"/>
-              <a:t>】</a:t>
-            </a:r>
-            <a:endParaRPr kumimoji="1" lang="ja-JP" altLang="en-US" sz="2000" b="1" dirty="0"/>
-          </a:p>
-        </p:txBody>
-      </p:sp>
-      <p:sp>
-        <p:nvSpPr>
-          <p:cNvPr id="127" name="右矢印 126"/>
-          <p:cNvSpPr/>
-          <p:nvPr/>
-        </p:nvSpPr>
-        <p:spPr>
-          <a:xfrm>
-            <a:off x="2499835" y="7511839"/>
-            <a:ext cx="643197" cy="518158"/>
-          </a:xfrm>
-          <a:prstGeom prst="rightArrow">
-            <a:avLst/>
-          </a:prstGeom>
-        </p:spPr>
-        <p:style>
-          <a:lnRef idx="2">
-            <a:schemeClr val="accent1">
-              <a:shade val="50000"/>
-            </a:schemeClr>
-          </a:lnRef>
-          <a:fillRef idx="1">
-            <a:schemeClr val="accent1"/>
-          </a:fillRef>
-          <a:effectRef idx="0">
-            <a:schemeClr val="accent1"/>
-          </a:effectRef>
-          <a:fontRef idx="minor">
-            <a:schemeClr val="lt1"/>
-          </a:fontRef>
-        </p:style>
-        <p:txBody>
-          <a:bodyPr rtlCol="0" anchor="ctr"/>
-          <a:lstStyle/>
-          <a:p>
-            <a:pPr algn="ctr"/>
-            <a:endParaRPr kumimoji="1" lang="ja-JP" altLang="en-US" b="1" dirty="0"/>
-          </a:p>
-        </p:txBody>
-      </p:sp>
-      <p:sp>
-        <p:nvSpPr>
-          <p:cNvPr id="128" name="テキスト ボックス 127"/>
-          <p:cNvSpPr txBox="1"/>
-          <p:nvPr/>
-        </p:nvSpPr>
-        <p:spPr>
-          <a:xfrm>
-            <a:off x="3163750" y="7419307"/>
-            <a:ext cx="2061646" cy="707886"/>
-          </a:xfrm>
-          <a:prstGeom prst="rect">
-            <a:avLst/>
-          </a:prstGeom>
-          <a:noFill/>
-        </p:spPr>
-        <p:txBody>
-          <a:bodyPr wrap="square" rtlCol="0">
-            <a:spAutoFit/>
-          </a:bodyPr>
-          <a:lstStyle/>
-          <a:p>
-            <a:r>
-              <a:rPr kumimoji="1" lang="ja-JP" altLang="en-US" sz="2000" b="1" dirty="0" smtClean="0"/>
-              <a:t>無関係な歩行者</a:t>
-            </a:r>
-            <a:endParaRPr kumimoji="1" lang="en-US" altLang="ja-JP" sz="2000" b="1" dirty="0" smtClean="0"/>
-          </a:p>
-          <a:p>
-            <a:r>
-              <a:rPr kumimoji="1" lang="ja-JP" altLang="en-US" sz="2000" b="1" dirty="0" smtClean="0"/>
-              <a:t>の流入口</a:t>
-            </a:r>
-            <a:endParaRPr kumimoji="1" lang="ja-JP" altLang="en-US" sz="2000" b="1" dirty="0"/>
-          </a:p>
-        </p:txBody>
-      </p:sp>
-      <p:pic>
-        <p:nvPicPr>
-          <p:cNvPr id="425" name="図 424"/>
-          <p:cNvPicPr>
-            <a:picLocks noChangeAspect="1"/>
-          </p:cNvPicPr>
-          <p:nvPr/>
-        </p:nvPicPr>
-        <p:blipFill>
-          <a:blip r:embed="rId3"/>
-          <a:stretch>
-            <a:fillRect/>
-          </a:stretch>
-        </p:blipFill>
-        <p:spPr>
           <a:xfrm rot="5400000">
             <a:off x="-3153169" y="-4116722"/>
             <a:ext cx="3084535" cy="9788022"/>
@@ -13122,682 +12658,1161 @@
           </a:prstGeom>
         </p:spPr>
       </p:pic>
-      <p:pic>
-        <p:nvPicPr>
-          <p:cNvPr id="427" name="図 426"/>
-          <p:cNvPicPr>
-            <a:picLocks noChangeAspect="1"/>
-          </p:cNvPicPr>
-          <p:nvPr/>
-        </p:nvPicPr>
-        <p:blipFill>
-          <a:blip r:embed="rId4"/>
-          <a:stretch>
-            <a:fillRect/>
-          </a:stretch>
-        </p:blipFill>
-        <p:spPr>
-          <a:xfrm rot="5400000">
-            <a:off x="3185292" y="-163195"/>
-            <a:ext cx="3194581" cy="10150720"/>
-          </a:xfrm>
-          <a:prstGeom prst="rect">
-            <a:avLst/>
-          </a:prstGeom>
-        </p:spPr>
-      </p:pic>
-      <p:sp>
-        <p:nvSpPr>
-          <p:cNvPr id="428" name="テキスト ボックス 427"/>
-          <p:cNvSpPr txBox="1"/>
-          <p:nvPr/>
-        </p:nvSpPr>
-        <p:spPr>
-          <a:xfrm>
-            <a:off x="-313020" y="4185733"/>
-            <a:ext cx="418704" cy="369332"/>
-          </a:xfrm>
-          <a:prstGeom prst="rect">
-            <a:avLst/>
-          </a:prstGeom>
-          <a:noFill/>
-        </p:spPr>
-        <p:txBody>
-          <a:bodyPr wrap="none" rtlCol="0">
-            <a:spAutoFit/>
-          </a:bodyPr>
-          <a:lstStyle/>
-          <a:p>
-            <a:r>
-              <a:rPr kumimoji="1" lang="ja-JP" altLang="en-US" b="1" dirty="0" smtClean="0">
+      <p:grpSp>
+        <p:nvGrpSpPr>
+          <p:cNvPr id="5" name="グループ化 4"/>
+          <p:cNvGrpSpPr/>
+          <p:nvPr/>
+        </p:nvGrpSpPr>
+        <p:grpSpPr>
+          <a:xfrm>
+            <a:off x="-622698" y="2921078"/>
+            <a:ext cx="11064132" cy="6034236"/>
+            <a:chOff x="-622698" y="2921078"/>
+            <a:chExt cx="11064132" cy="6034236"/>
+          </a:xfrm>
+        </p:grpSpPr>
+        <p:sp>
+          <p:nvSpPr>
+            <p:cNvPr id="4" name="正方形/長方形 3"/>
+            <p:cNvSpPr/>
+            <p:nvPr/>
+          </p:nvSpPr>
+          <p:spPr>
+            <a:xfrm rot="5400000">
+              <a:off x="1892250" y="406130"/>
+              <a:ext cx="6034236" cy="11064131"/>
+            </a:xfrm>
+            <a:prstGeom prst="rect">
+              <a:avLst/>
+            </a:prstGeom>
+            <a:solidFill>
+              <a:schemeClr val="bg1"/>
+            </a:solidFill>
+            <a:ln w="38100">
+              <a:solidFill>
+                <a:schemeClr val="tx1"/>
+              </a:solidFill>
+            </a:ln>
+          </p:spPr>
+          <p:style>
+            <a:lnRef idx="2">
+              <a:schemeClr val="accent1">
+                <a:shade val="50000"/>
+              </a:schemeClr>
+            </a:lnRef>
+            <a:fillRef idx="1">
+              <a:schemeClr val="accent1"/>
+            </a:fillRef>
+            <a:effectRef idx="0">
+              <a:schemeClr val="accent1"/>
+            </a:effectRef>
+            <a:fontRef idx="minor">
+              <a:schemeClr val="lt1"/>
+            </a:fontRef>
+          </p:style>
+          <p:txBody>
+            <a:bodyPr rtlCol="0" anchor="ctr"/>
+            <a:lstStyle/>
+            <a:p>
+              <a:pPr algn="ctr"/>
+              <a:endParaRPr kumimoji="1" lang="ja-JP" altLang="en-US"/>
+            </a:p>
+          </p:txBody>
+        </p:sp>
+        <p:cxnSp>
+          <p:nvCxnSpPr>
+            <p:cNvPr id="118" name="直線矢印コネクタ 117"/>
+            <p:cNvCxnSpPr/>
+            <p:nvPr/>
+          </p:nvCxnSpPr>
+          <p:spPr>
+            <a:xfrm>
+              <a:off x="-163423" y="5183734"/>
+              <a:ext cx="0" cy="713739"/>
+            </a:xfrm>
+            <a:prstGeom prst="straightConnector1">
+              <a:avLst/>
+            </a:prstGeom>
+            <a:ln w="63500">
+              <a:solidFill>
+                <a:schemeClr val="tx1"/>
+              </a:solidFill>
+              <a:headEnd type="triangle"/>
+              <a:tailEnd type="triangle"/>
+            </a:ln>
+          </p:spPr>
+          <p:style>
+            <a:lnRef idx="1">
+              <a:schemeClr val="accent1"/>
+            </a:lnRef>
+            <a:fillRef idx="0">
+              <a:schemeClr val="accent1"/>
+            </a:fillRef>
+            <a:effectRef idx="0">
+              <a:schemeClr val="accent1"/>
+            </a:effectRef>
+            <a:fontRef idx="minor">
+              <a:schemeClr val="tx1"/>
+            </a:fontRef>
+          </p:style>
+        </p:cxnSp>
+        <p:sp>
+          <p:nvSpPr>
+            <p:cNvPr id="119" name="テキスト ボックス 118"/>
+            <p:cNvSpPr txBox="1"/>
+            <p:nvPr/>
+          </p:nvSpPr>
+          <p:spPr>
+            <a:xfrm>
+              <a:off x="-38959" y="5285651"/>
+              <a:ext cx="522900" cy="400110"/>
+            </a:xfrm>
+            <a:prstGeom prst="rect">
+              <a:avLst/>
+            </a:prstGeom>
+            <a:noFill/>
+          </p:spPr>
+          <p:txBody>
+            <a:bodyPr wrap="none" rtlCol="0">
+              <a:spAutoFit/>
+            </a:bodyPr>
+            <a:lstStyle/>
+            <a:p>
+              <a:r>
+                <a:rPr kumimoji="1" lang="en-US" altLang="ja-JP" sz="2000" b="1" dirty="0" smtClean="0"/>
+                <a:t>5m</a:t>
+              </a:r>
+              <a:endParaRPr kumimoji="1" lang="ja-JP" altLang="en-US" sz="2000" b="1" dirty="0"/>
+            </a:p>
+          </p:txBody>
+        </p:sp>
+        <p:pic>
+          <p:nvPicPr>
+            <p:cNvPr id="120" name="図 119"/>
+            <p:cNvPicPr>
+              <a:picLocks noChangeAspect="1"/>
+            </p:cNvPicPr>
+            <p:nvPr/>
+          </p:nvPicPr>
+          <p:blipFill>
+            <a:blip r:embed="rId3"/>
+            <a:stretch>
+              <a:fillRect/>
+            </a:stretch>
+          </p:blipFill>
+          <p:spPr>
+            <a:xfrm rot="2080266">
+              <a:off x="8816574" y="6675281"/>
+              <a:ext cx="1003179" cy="1488050"/>
+            </a:xfrm>
+            <a:prstGeom prst="rect">
+              <a:avLst/>
+            </a:prstGeom>
+          </p:spPr>
+        </p:pic>
+        <p:sp>
+          <p:nvSpPr>
+            <p:cNvPr id="121" name="正方形/長方形 120"/>
+            <p:cNvSpPr/>
+            <p:nvPr/>
+          </p:nvSpPr>
+          <p:spPr>
+            <a:xfrm>
+              <a:off x="-354172" y="6734635"/>
+              <a:ext cx="8508688" cy="1805058"/>
+            </a:xfrm>
+            <a:prstGeom prst="rect">
+              <a:avLst/>
+            </a:prstGeom>
+            <a:solidFill>
+              <a:schemeClr val="bg1"/>
+            </a:solidFill>
+            <a:ln w="38100">
+              <a:solidFill>
+                <a:schemeClr val="tx1"/>
+              </a:solidFill>
+            </a:ln>
+          </p:spPr>
+          <p:style>
+            <a:lnRef idx="2">
+              <a:schemeClr val="accent1">
+                <a:shade val="50000"/>
+              </a:schemeClr>
+            </a:lnRef>
+            <a:fillRef idx="1">
+              <a:schemeClr val="accent1"/>
+            </a:fillRef>
+            <a:effectRef idx="0">
+              <a:schemeClr val="accent1"/>
+            </a:effectRef>
+            <a:fontRef idx="minor">
+              <a:schemeClr val="lt1"/>
+            </a:fontRef>
+          </p:style>
+          <p:txBody>
+            <a:bodyPr rtlCol="0" anchor="ctr"/>
+            <a:lstStyle/>
+            <a:p>
+              <a:pPr algn="ctr"/>
+              <a:endParaRPr kumimoji="1" lang="ja-JP" altLang="en-US"/>
+            </a:p>
+          </p:txBody>
+        </p:sp>
+        <p:cxnSp>
+          <p:nvCxnSpPr>
+            <p:cNvPr id="122" name="直線コネクタ 121"/>
+            <p:cNvCxnSpPr/>
+            <p:nvPr/>
+          </p:nvCxnSpPr>
+          <p:spPr>
+            <a:xfrm flipH="1">
+              <a:off x="-140998" y="7764573"/>
+              <a:ext cx="666580" cy="0"/>
+            </a:xfrm>
+            <a:prstGeom prst="line">
+              <a:avLst/>
+            </a:prstGeom>
+            <a:ln w="63500">
+              <a:solidFill>
+                <a:srgbClr val="FF0000"/>
+              </a:solidFill>
+              <a:headEnd type="triangle"/>
+            </a:ln>
+          </p:spPr>
+          <p:style>
+            <a:lnRef idx="1">
+              <a:schemeClr val="dk1"/>
+            </a:lnRef>
+            <a:fillRef idx="0">
+              <a:schemeClr val="dk1"/>
+            </a:fillRef>
+            <a:effectRef idx="0">
+              <a:schemeClr val="dk1"/>
+            </a:effectRef>
+            <a:fontRef idx="minor">
+              <a:schemeClr val="tx1"/>
+            </a:fontRef>
+          </p:style>
+        </p:cxnSp>
+        <p:sp>
+          <p:nvSpPr>
+            <p:cNvPr id="123" name="楕円 122"/>
+            <p:cNvSpPr/>
+            <p:nvPr/>
+          </p:nvSpPr>
+          <p:spPr>
+            <a:xfrm>
+              <a:off x="5363972" y="7395470"/>
+              <a:ext cx="704532" cy="704532"/>
+            </a:xfrm>
+            <a:prstGeom prst="ellipse">
+              <a:avLst/>
+            </a:prstGeom>
+            <a:solidFill>
+              <a:srgbClr val="FFFF00">
+                <a:alpha val="20000"/>
+              </a:srgbClr>
+            </a:solidFill>
+            <a:ln w="50800">
+              <a:solidFill>
+                <a:srgbClr val="FF9900">
+                  <a:alpha val="60000"/>
+                </a:srgbClr>
+              </a:solidFill>
+            </a:ln>
+          </p:spPr>
+          <p:style>
+            <a:lnRef idx="2">
+              <a:schemeClr val="accent1">
+                <a:shade val="50000"/>
+              </a:schemeClr>
+            </a:lnRef>
+            <a:fillRef idx="1">
+              <a:schemeClr val="accent1"/>
+            </a:fillRef>
+            <a:effectRef idx="0">
+              <a:schemeClr val="accent1"/>
+            </a:effectRef>
+            <a:fontRef idx="minor">
+              <a:schemeClr val="lt1"/>
+            </a:fontRef>
+          </p:style>
+          <p:txBody>
+            <a:bodyPr rtlCol="0" anchor="ctr"/>
+            <a:lstStyle/>
+            <a:p>
+              <a:pPr algn="ctr"/>
+              <a:endParaRPr kumimoji="1" lang="ja-JP" altLang="en-US"/>
+            </a:p>
+          </p:txBody>
+        </p:sp>
+        <p:sp>
+          <p:nvSpPr>
+            <p:cNvPr id="124" name="テキスト ボックス 123"/>
+            <p:cNvSpPr txBox="1"/>
+            <p:nvPr/>
+          </p:nvSpPr>
+          <p:spPr>
+            <a:xfrm>
+              <a:off x="529230" y="7410065"/>
+              <a:ext cx="2061646" cy="707886"/>
+            </a:xfrm>
+            <a:prstGeom prst="rect">
+              <a:avLst/>
+            </a:prstGeom>
+            <a:noFill/>
+          </p:spPr>
+          <p:txBody>
+            <a:bodyPr wrap="square" rtlCol="0">
+              <a:spAutoFit/>
+            </a:bodyPr>
+            <a:lstStyle/>
+            <a:p>
+              <a:r>
+                <a:rPr kumimoji="1" lang="ja-JP" altLang="en-US" sz="2000" b="1" dirty="0" smtClean="0"/>
+                <a:t>追跡対象者の</a:t>
+              </a:r>
+              <a:endParaRPr kumimoji="1" lang="en-US" altLang="ja-JP" sz="2000" b="1" dirty="0" smtClean="0"/>
+            </a:p>
+            <a:p>
+              <a:r>
+                <a:rPr kumimoji="1" lang="ja-JP" altLang="en-US" sz="2000" b="1" dirty="0" smtClean="0"/>
+                <a:t>移動経路</a:t>
+              </a:r>
+              <a:endParaRPr kumimoji="1" lang="ja-JP" altLang="en-US" sz="2000" b="1" dirty="0"/>
+            </a:p>
+          </p:txBody>
+        </p:sp>
+        <p:sp>
+          <p:nvSpPr>
+            <p:cNvPr id="125" name="テキスト ボックス 124"/>
+            <p:cNvSpPr txBox="1"/>
+            <p:nvPr/>
+          </p:nvSpPr>
+          <p:spPr>
+            <a:xfrm>
+              <a:off x="6080687" y="7391166"/>
+              <a:ext cx="2061646" cy="707886"/>
+            </a:xfrm>
+            <a:prstGeom prst="rect">
+              <a:avLst/>
+            </a:prstGeom>
+            <a:noFill/>
+          </p:spPr>
+          <p:txBody>
+            <a:bodyPr wrap="square" rtlCol="0">
+              <a:spAutoFit/>
+            </a:bodyPr>
+            <a:lstStyle/>
+            <a:p>
+              <a:r>
+                <a:rPr kumimoji="1" lang="ja-JP" altLang="en-US" sz="2000" b="1" dirty="0" smtClean="0"/>
+                <a:t>センサの</a:t>
+              </a:r>
+              <a:endParaRPr kumimoji="1" lang="en-US" altLang="ja-JP" sz="2000" b="1" dirty="0" smtClean="0"/>
+            </a:p>
+            <a:p>
+              <a:r>
+                <a:rPr kumimoji="1" lang="ja-JP" altLang="en-US" sz="2000" b="1" dirty="0" smtClean="0"/>
+                <a:t>有効検知範囲</a:t>
+              </a:r>
+              <a:endParaRPr kumimoji="1" lang="ja-JP" altLang="en-US" sz="2000" b="1" dirty="0"/>
+            </a:p>
+          </p:txBody>
+        </p:sp>
+        <p:sp>
+          <p:nvSpPr>
+            <p:cNvPr id="126" name="テキスト ボックス 125"/>
+            <p:cNvSpPr txBox="1"/>
+            <p:nvPr/>
+          </p:nvSpPr>
+          <p:spPr>
+            <a:xfrm>
+              <a:off x="-386667" y="6842720"/>
+              <a:ext cx="1723549" cy="400110"/>
+            </a:xfrm>
+            <a:prstGeom prst="rect">
+              <a:avLst/>
+            </a:prstGeom>
+            <a:noFill/>
+          </p:spPr>
+          <p:txBody>
+            <a:bodyPr wrap="none" rtlCol="0">
+              <a:spAutoFit/>
+            </a:bodyPr>
+            <a:lstStyle/>
+            <a:p>
+              <a:r>
+                <a:rPr kumimoji="1" lang="en-US" altLang="ja-JP" sz="2000" b="1" dirty="0" smtClean="0"/>
+                <a:t>【</a:t>
+              </a:r>
+              <a:r>
+                <a:rPr kumimoji="1" lang="ja-JP" altLang="en-US" sz="2000" b="1" dirty="0" smtClean="0"/>
+                <a:t>記号凡例</a:t>
+              </a:r>
+              <a:r>
+                <a:rPr kumimoji="1" lang="en-US" altLang="ja-JP" sz="2000" b="1" dirty="0" smtClean="0"/>
+                <a:t>】</a:t>
+              </a:r>
+              <a:endParaRPr kumimoji="1" lang="ja-JP" altLang="en-US" sz="2000" b="1" dirty="0"/>
+            </a:p>
+          </p:txBody>
+        </p:sp>
+        <p:sp>
+          <p:nvSpPr>
+            <p:cNvPr id="127" name="右矢印 126"/>
+            <p:cNvSpPr/>
+            <p:nvPr/>
+          </p:nvSpPr>
+          <p:spPr>
+            <a:xfrm>
+              <a:off x="2499835" y="7511839"/>
+              <a:ext cx="643197" cy="518158"/>
+            </a:xfrm>
+            <a:prstGeom prst="rightArrow">
+              <a:avLst/>
+            </a:prstGeom>
+          </p:spPr>
+          <p:style>
+            <a:lnRef idx="2">
+              <a:schemeClr val="accent1">
+                <a:shade val="50000"/>
+              </a:schemeClr>
+            </a:lnRef>
+            <a:fillRef idx="1">
+              <a:schemeClr val="accent1"/>
+            </a:fillRef>
+            <a:effectRef idx="0">
+              <a:schemeClr val="accent1"/>
+            </a:effectRef>
+            <a:fontRef idx="minor">
+              <a:schemeClr val="lt1"/>
+            </a:fontRef>
+          </p:style>
+          <p:txBody>
+            <a:bodyPr rtlCol="0" anchor="ctr"/>
+            <a:lstStyle/>
+            <a:p>
+              <a:pPr algn="ctr"/>
+              <a:endParaRPr kumimoji="1" lang="ja-JP" altLang="en-US" b="1" dirty="0"/>
+            </a:p>
+          </p:txBody>
+        </p:sp>
+        <p:sp>
+          <p:nvSpPr>
+            <p:cNvPr id="128" name="テキスト ボックス 127"/>
+            <p:cNvSpPr txBox="1"/>
+            <p:nvPr/>
+          </p:nvSpPr>
+          <p:spPr>
+            <a:xfrm>
+              <a:off x="3163750" y="7419307"/>
+              <a:ext cx="2061646" cy="707886"/>
+            </a:xfrm>
+            <a:prstGeom prst="rect">
+              <a:avLst/>
+            </a:prstGeom>
+            <a:noFill/>
+          </p:spPr>
+          <p:txBody>
+            <a:bodyPr wrap="square" rtlCol="0">
+              <a:spAutoFit/>
+            </a:bodyPr>
+            <a:lstStyle/>
+            <a:p>
+              <a:r>
+                <a:rPr kumimoji="1" lang="ja-JP" altLang="en-US" sz="2000" b="1" dirty="0" smtClean="0"/>
+                <a:t>無関係な歩行者</a:t>
+              </a:r>
+              <a:endParaRPr kumimoji="1" lang="en-US" altLang="ja-JP" sz="2000" b="1" dirty="0" smtClean="0"/>
+            </a:p>
+            <a:p>
+              <a:r>
+                <a:rPr kumimoji="1" lang="ja-JP" altLang="en-US" sz="2000" b="1" dirty="0" smtClean="0"/>
+                <a:t>の流入口</a:t>
+              </a:r>
+              <a:endParaRPr kumimoji="1" lang="ja-JP" altLang="en-US" sz="2000" b="1" dirty="0"/>
+            </a:p>
+          </p:txBody>
+        </p:sp>
+        <p:pic>
+          <p:nvPicPr>
+            <p:cNvPr id="427" name="図 426"/>
+            <p:cNvPicPr>
+              <a:picLocks noChangeAspect="1"/>
+            </p:cNvPicPr>
+            <p:nvPr/>
+          </p:nvPicPr>
+          <p:blipFill>
+            <a:blip r:embed="rId4"/>
+            <a:stretch>
+              <a:fillRect/>
+            </a:stretch>
+          </p:blipFill>
+          <p:spPr>
+            <a:xfrm rot="5400000">
+              <a:off x="3185292" y="-163195"/>
+              <a:ext cx="3194581" cy="10150720"/>
+            </a:xfrm>
+            <a:prstGeom prst="rect">
+              <a:avLst/>
+            </a:prstGeom>
+          </p:spPr>
+        </p:pic>
+        <p:sp>
+          <p:nvSpPr>
+            <p:cNvPr id="428" name="テキスト ボックス 427"/>
+            <p:cNvSpPr txBox="1"/>
+            <p:nvPr/>
+          </p:nvSpPr>
+          <p:spPr>
+            <a:xfrm>
+              <a:off x="-313020" y="4185733"/>
+              <a:ext cx="418704" cy="369332"/>
+            </a:xfrm>
+            <a:prstGeom prst="rect">
+              <a:avLst/>
+            </a:prstGeom>
+            <a:noFill/>
+          </p:spPr>
+          <p:txBody>
+            <a:bodyPr wrap="none" rtlCol="0">
+              <a:spAutoFit/>
+            </a:bodyPr>
+            <a:lstStyle/>
+            <a:p>
+              <a:r>
+                <a:rPr kumimoji="1" lang="ja-JP" altLang="en-US" b="1" dirty="0" smtClean="0">
+                  <a:solidFill>
+                    <a:schemeClr val="bg1"/>
+                  </a:solidFill>
+                </a:rPr>
+                <a:t>⑮</a:t>
+              </a:r>
+              <a:endParaRPr kumimoji="1" lang="ja-JP" altLang="en-US" b="1" dirty="0">
                 <a:solidFill>
                   <a:schemeClr val="bg1"/>
                 </a:solidFill>
-              </a:rPr>
-              <a:t>⑮</a:t>
-            </a:r>
-            <a:endParaRPr kumimoji="1" lang="ja-JP" altLang="en-US" b="1" dirty="0">
-              <a:solidFill>
-                <a:schemeClr val="bg1"/>
-              </a:solidFill>
-            </a:endParaRPr>
-          </a:p>
-        </p:txBody>
-      </p:sp>
-      <p:sp>
-        <p:nvSpPr>
-          <p:cNvPr id="429" name="テキスト ボックス 428"/>
-          <p:cNvSpPr txBox="1"/>
-          <p:nvPr/>
-        </p:nvSpPr>
-        <p:spPr>
-          <a:xfrm>
-            <a:off x="1969351" y="3333357"/>
-            <a:ext cx="418704" cy="369332"/>
-          </a:xfrm>
-          <a:prstGeom prst="rect">
-            <a:avLst/>
-          </a:prstGeom>
-          <a:noFill/>
-        </p:spPr>
-        <p:txBody>
-          <a:bodyPr wrap="none" rtlCol="0">
-            <a:spAutoFit/>
-          </a:bodyPr>
-          <a:lstStyle/>
-          <a:p>
-            <a:r>
-              <a:rPr kumimoji="1" lang="ja-JP" altLang="en-US" b="1" dirty="0" smtClean="0">
+              </a:endParaRPr>
+            </a:p>
+          </p:txBody>
+        </p:sp>
+        <p:sp>
+          <p:nvSpPr>
+            <p:cNvPr id="429" name="テキスト ボックス 428"/>
+            <p:cNvSpPr txBox="1"/>
+            <p:nvPr/>
+          </p:nvSpPr>
+          <p:spPr>
+            <a:xfrm>
+              <a:off x="1969351" y="3333357"/>
+              <a:ext cx="418704" cy="369332"/>
+            </a:xfrm>
+            <a:prstGeom prst="rect">
+              <a:avLst/>
+            </a:prstGeom>
+            <a:noFill/>
+          </p:spPr>
+          <p:txBody>
+            <a:bodyPr wrap="none" rtlCol="0">
+              <a:spAutoFit/>
+            </a:bodyPr>
+            <a:lstStyle/>
+            <a:p>
+              <a:r>
+                <a:rPr kumimoji="1" lang="ja-JP" altLang="en-US" b="1" dirty="0" smtClean="0">
+                  <a:solidFill>
+                    <a:schemeClr val="bg1"/>
+                  </a:solidFill>
+                </a:rPr>
+                <a:t>⑬</a:t>
+              </a:r>
+              <a:endParaRPr kumimoji="1" lang="ja-JP" altLang="en-US" b="1" dirty="0">
                 <a:solidFill>
                   <a:schemeClr val="bg1"/>
                 </a:solidFill>
-              </a:rPr>
-              <a:t>⑬</a:t>
-            </a:r>
-            <a:endParaRPr kumimoji="1" lang="ja-JP" altLang="en-US" b="1" dirty="0">
-              <a:solidFill>
-                <a:schemeClr val="bg1"/>
-              </a:solidFill>
-            </a:endParaRPr>
-          </a:p>
-        </p:txBody>
-      </p:sp>
-      <p:sp>
-        <p:nvSpPr>
-          <p:cNvPr id="430" name="テキスト ボックス 429"/>
-          <p:cNvSpPr txBox="1"/>
-          <p:nvPr/>
-        </p:nvSpPr>
-        <p:spPr>
-          <a:xfrm>
-            <a:off x="3861651" y="3289396"/>
-            <a:ext cx="418704" cy="369332"/>
-          </a:xfrm>
-          <a:prstGeom prst="rect">
-            <a:avLst/>
-          </a:prstGeom>
-          <a:noFill/>
-        </p:spPr>
-        <p:txBody>
-          <a:bodyPr wrap="none" rtlCol="0">
-            <a:spAutoFit/>
-          </a:bodyPr>
-          <a:lstStyle/>
-          <a:p>
-            <a:r>
-              <a:rPr kumimoji="1" lang="ja-JP" altLang="en-US" b="1" dirty="0" smtClean="0">
+              </a:endParaRPr>
+            </a:p>
+          </p:txBody>
+        </p:sp>
+        <p:sp>
+          <p:nvSpPr>
+            <p:cNvPr id="430" name="テキスト ボックス 429"/>
+            <p:cNvSpPr txBox="1"/>
+            <p:nvPr/>
+          </p:nvSpPr>
+          <p:spPr>
+            <a:xfrm>
+              <a:off x="3861651" y="3289396"/>
+              <a:ext cx="418704" cy="369332"/>
+            </a:xfrm>
+            <a:prstGeom prst="rect">
+              <a:avLst/>
+            </a:prstGeom>
+            <a:noFill/>
+          </p:spPr>
+          <p:txBody>
+            <a:bodyPr wrap="none" rtlCol="0">
+              <a:spAutoFit/>
+            </a:bodyPr>
+            <a:lstStyle/>
+            <a:p>
+              <a:r>
+                <a:rPr kumimoji="1" lang="ja-JP" altLang="en-US" b="1" dirty="0" smtClean="0">
+                  <a:solidFill>
+                    <a:schemeClr val="bg1"/>
+                  </a:solidFill>
+                </a:rPr>
+                <a:t>⑩</a:t>
+              </a:r>
+              <a:endParaRPr kumimoji="1" lang="ja-JP" altLang="en-US" b="1" dirty="0">
                 <a:solidFill>
                   <a:schemeClr val="bg1"/>
                 </a:solidFill>
-              </a:rPr>
-              <a:t>⑩</a:t>
-            </a:r>
-            <a:endParaRPr kumimoji="1" lang="ja-JP" altLang="en-US" b="1" dirty="0">
-              <a:solidFill>
-                <a:schemeClr val="bg1"/>
-              </a:solidFill>
-            </a:endParaRPr>
-          </a:p>
-        </p:txBody>
-      </p:sp>
-      <p:sp>
-        <p:nvSpPr>
-          <p:cNvPr id="431" name="テキスト ボックス 430"/>
-          <p:cNvSpPr txBox="1"/>
-          <p:nvPr/>
-        </p:nvSpPr>
-        <p:spPr>
-          <a:xfrm>
-            <a:off x="5538051" y="3282680"/>
-            <a:ext cx="415498" cy="369332"/>
-          </a:xfrm>
-          <a:prstGeom prst="rect">
-            <a:avLst/>
-          </a:prstGeom>
-          <a:noFill/>
-        </p:spPr>
-        <p:txBody>
-          <a:bodyPr wrap="none" rtlCol="0">
-            <a:spAutoFit/>
-          </a:bodyPr>
-          <a:lstStyle/>
-          <a:p>
-            <a:r>
-              <a:rPr kumimoji="1" lang="ja-JP" altLang="en-US" b="1" dirty="0" smtClean="0">
+              </a:endParaRPr>
+            </a:p>
+          </p:txBody>
+        </p:sp>
+        <p:sp>
+          <p:nvSpPr>
+            <p:cNvPr id="431" name="テキスト ボックス 430"/>
+            <p:cNvSpPr txBox="1"/>
+            <p:nvPr/>
+          </p:nvSpPr>
+          <p:spPr>
+            <a:xfrm>
+              <a:off x="5538051" y="3282680"/>
+              <a:ext cx="415498" cy="369332"/>
+            </a:xfrm>
+            <a:prstGeom prst="rect">
+              <a:avLst/>
+            </a:prstGeom>
+            <a:noFill/>
+          </p:spPr>
+          <p:txBody>
+            <a:bodyPr wrap="none" rtlCol="0">
+              <a:spAutoFit/>
+            </a:bodyPr>
+            <a:lstStyle/>
+            <a:p>
+              <a:r>
+                <a:rPr kumimoji="1" lang="ja-JP" altLang="en-US" b="1" dirty="0" smtClean="0">
+                  <a:solidFill>
+                    <a:schemeClr val="bg1"/>
+                  </a:solidFill>
+                </a:rPr>
+                <a:t>⑧</a:t>
+              </a:r>
+              <a:endParaRPr kumimoji="1" lang="ja-JP" altLang="en-US" b="1" dirty="0">
                 <a:solidFill>
                   <a:schemeClr val="bg1"/>
                 </a:solidFill>
-              </a:rPr>
-              <a:t>⑧</a:t>
-            </a:r>
-            <a:endParaRPr kumimoji="1" lang="ja-JP" altLang="en-US" b="1" dirty="0">
-              <a:solidFill>
-                <a:schemeClr val="bg1"/>
-              </a:solidFill>
-            </a:endParaRPr>
-          </a:p>
-        </p:txBody>
-      </p:sp>
-      <p:sp>
-        <p:nvSpPr>
-          <p:cNvPr id="432" name="テキスト ボックス 431"/>
-          <p:cNvSpPr txBox="1"/>
-          <p:nvPr/>
-        </p:nvSpPr>
-        <p:spPr>
-          <a:xfrm>
-            <a:off x="6241855" y="3276696"/>
-            <a:ext cx="415498" cy="369332"/>
-          </a:xfrm>
-          <a:prstGeom prst="rect">
-            <a:avLst/>
-          </a:prstGeom>
-          <a:noFill/>
-        </p:spPr>
-        <p:txBody>
-          <a:bodyPr wrap="none" rtlCol="0">
-            <a:spAutoFit/>
-          </a:bodyPr>
-          <a:lstStyle/>
-          <a:p>
-            <a:r>
-              <a:rPr kumimoji="1" lang="ja-JP" altLang="en-US" b="1" dirty="0" smtClean="0">
+              </a:endParaRPr>
+            </a:p>
+          </p:txBody>
+        </p:sp>
+        <p:sp>
+          <p:nvSpPr>
+            <p:cNvPr id="432" name="テキスト ボックス 431"/>
+            <p:cNvSpPr txBox="1"/>
+            <p:nvPr/>
+          </p:nvSpPr>
+          <p:spPr>
+            <a:xfrm>
+              <a:off x="6241855" y="3276696"/>
+              <a:ext cx="415498" cy="369332"/>
+            </a:xfrm>
+            <a:prstGeom prst="rect">
+              <a:avLst/>
+            </a:prstGeom>
+            <a:noFill/>
+          </p:spPr>
+          <p:txBody>
+            <a:bodyPr wrap="none" rtlCol="0">
+              <a:spAutoFit/>
+            </a:bodyPr>
+            <a:lstStyle/>
+            <a:p>
+              <a:r>
+                <a:rPr kumimoji="1" lang="ja-JP" altLang="en-US" b="1" dirty="0" smtClean="0">
+                  <a:solidFill>
+                    <a:schemeClr val="bg1"/>
+                  </a:solidFill>
+                </a:rPr>
+                <a:t>⑨</a:t>
+              </a:r>
+              <a:endParaRPr kumimoji="1" lang="ja-JP" altLang="en-US" b="1" dirty="0">
                 <a:solidFill>
                   <a:schemeClr val="bg1"/>
                 </a:solidFill>
-              </a:rPr>
-              <a:t>⑨</a:t>
-            </a:r>
-            <a:endParaRPr kumimoji="1" lang="ja-JP" altLang="en-US" b="1" dirty="0">
-              <a:solidFill>
-                <a:schemeClr val="bg1"/>
-              </a:solidFill>
-            </a:endParaRPr>
-          </a:p>
-        </p:txBody>
-      </p:sp>
-      <p:sp>
-        <p:nvSpPr>
-          <p:cNvPr id="433" name="テキスト ボックス 432"/>
-          <p:cNvSpPr txBox="1"/>
-          <p:nvPr/>
-        </p:nvSpPr>
-        <p:spPr>
-          <a:xfrm>
-            <a:off x="7764992" y="3285795"/>
-            <a:ext cx="415498" cy="369332"/>
-          </a:xfrm>
-          <a:prstGeom prst="rect">
-            <a:avLst/>
-          </a:prstGeom>
-          <a:noFill/>
-        </p:spPr>
-        <p:txBody>
-          <a:bodyPr wrap="none" rtlCol="0">
-            <a:spAutoFit/>
-          </a:bodyPr>
-          <a:lstStyle/>
-          <a:p>
-            <a:r>
-              <a:rPr kumimoji="1" lang="ja-JP" altLang="en-US" b="1" dirty="0" smtClean="0">
+              </a:endParaRPr>
+            </a:p>
+          </p:txBody>
+        </p:sp>
+        <p:sp>
+          <p:nvSpPr>
+            <p:cNvPr id="433" name="テキスト ボックス 432"/>
+            <p:cNvSpPr txBox="1"/>
+            <p:nvPr/>
+          </p:nvSpPr>
+          <p:spPr>
+            <a:xfrm>
+              <a:off x="7764992" y="3285795"/>
+              <a:ext cx="415498" cy="369332"/>
+            </a:xfrm>
+            <a:prstGeom prst="rect">
+              <a:avLst/>
+            </a:prstGeom>
+            <a:noFill/>
+          </p:spPr>
+          <p:txBody>
+            <a:bodyPr wrap="none" rtlCol="0">
+              <a:spAutoFit/>
+            </a:bodyPr>
+            <a:lstStyle/>
+            <a:p>
+              <a:r>
+                <a:rPr kumimoji="1" lang="ja-JP" altLang="en-US" b="1" dirty="0" smtClean="0">
+                  <a:solidFill>
+                    <a:schemeClr val="bg1"/>
+                  </a:solidFill>
+                </a:rPr>
+                <a:t>④</a:t>
+              </a:r>
+              <a:endParaRPr kumimoji="1" lang="ja-JP" altLang="en-US" b="1" dirty="0">
                 <a:solidFill>
                   <a:schemeClr val="bg1"/>
                 </a:solidFill>
-              </a:rPr>
-              <a:t>④</a:t>
-            </a:r>
-            <a:endParaRPr kumimoji="1" lang="ja-JP" altLang="en-US" b="1" dirty="0">
-              <a:solidFill>
-                <a:schemeClr val="bg1"/>
-              </a:solidFill>
-            </a:endParaRPr>
-          </a:p>
-        </p:txBody>
-      </p:sp>
-      <p:sp>
-        <p:nvSpPr>
-          <p:cNvPr id="434" name="テキスト ボックス 433"/>
-          <p:cNvSpPr txBox="1"/>
-          <p:nvPr/>
-        </p:nvSpPr>
-        <p:spPr>
-          <a:xfrm>
-            <a:off x="9464925" y="4166877"/>
-            <a:ext cx="415498" cy="369332"/>
-          </a:xfrm>
-          <a:prstGeom prst="rect">
-            <a:avLst/>
-          </a:prstGeom>
-          <a:noFill/>
-        </p:spPr>
-        <p:txBody>
-          <a:bodyPr wrap="none" rtlCol="0">
-            <a:spAutoFit/>
-          </a:bodyPr>
-          <a:lstStyle/>
-          <a:p>
-            <a:r>
-              <a:rPr kumimoji="1" lang="ja-JP" altLang="en-US" b="1" dirty="0" smtClean="0">
+              </a:endParaRPr>
+            </a:p>
+          </p:txBody>
+        </p:sp>
+        <p:sp>
+          <p:nvSpPr>
+            <p:cNvPr id="434" name="テキスト ボックス 433"/>
+            <p:cNvSpPr txBox="1"/>
+            <p:nvPr/>
+          </p:nvSpPr>
+          <p:spPr>
+            <a:xfrm>
+              <a:off x="9464925" y="4166877"/>
+              <a:ext cx="415498" cy="369332"/>
+            </a:xfrm>
+            <a:prstGeom prst="rect">
+              <a:avLst/>
+            </a:prstGeom>
+            <a:noFill/>
+          </p:spPr>
+          <p:txBody>
+            <a:bodyPr wrap="none" rtlCol="0">
+              <a:spAutoFit/>
+            </a:bodyPr>
+            <a:lstStyle/>
+            <a:p>
+              <a:r>
+                <a:rPr kumimoji="1" lang="ja-JP" altLang="en-US" b="1" dirty="0" smtClean="0">
+                  <a:solidFill>
+                    <a:schemeClr val="bg1"/>
+                  </a:solidFill>
+                </a:rPr>
+                <a:t>①</a:t>
+              </a:r>
+              <a:endParaRPr kumimoji="1" lang="ja-JP" altLang="en-US" b="1" dirty="0">
                 <a:solidFill>
                   <a:schemeClr val="bg1"/>
                 </a:solidFill>
-              </a:rPr>
-              <a:t>①</a:t>
-            </a:r>
-            <a:endParaRPr kumimoji="1" lang="ja-JP" altLang="en-US" b="1" dirty="0">
-              <a:solidFill>
-                <a:schemeClr val="bg1"/>
-              </a:solidFill>
-            </a:endParaRPr>
-          </a:p>
-        </p:txBody>
-      </p:sp>
-      <p:sp>
-        <p:nvSpPr>
-          <p:cNvPr id="435" name="テキスト ボックス 434"/>
-          <p:cNvSpPr txBox="1"/>
-          <p:nvPr/>
-        </p:nvSpPr>
-        <p:spPr>
-          <a:xfrm>
-            <a:off x="9494701" y="5122355"/>
-            <a:ext cx="415498" cy="369332"/>
-          </a:xfrm>
-          <a:prstGeom prst="rect">
-            <a:avLst/>
-          </a:prstGeom>
-          <a:noFill/>
-        </p:spPr>
-        <p:txBody>
-          <a:bodyPr wrap="none" rtlCol="0">
-            <a:spAutoFit/>
-          </a:bodyPr>
-          <a:lstStyle/>
-          <a:p>
-            <a:r>
-              <a:rPr kumimoji="1" lang="ja-JP" altLang="en-US" b="1" dirty="0" smtClean="0">
+              </a:endParaRPr>
+            </a:p>
+          </p:txBody>
+        </p:sp>
+        <p:sp>
+          <p:nvSpPr>
+            <p:cNvPr id="435" name="テキスト ボックス 434"/>
+            <p:cNvSpPr txBox="1"/>
+            <p:nvPr/>
+          </p:nvSpPr>
+          <p:spPr>
+            <a:xfrm>
+              <a:off x="9494701" y="5122355"/>
+              <a:ext cx="415498" cy="369332"/>
+            </a:xfrm>
+            <a:prstGeom prst="rect">
+              <a:avLst/>
+            </a:prstGeom>
+            <a:noFill/>
+          </p:spPr>
+          <p:txBody>
+            <a:bodyPr wrap="none" rtlCol="0">
+              <a:spAutoFit/>
+            </a:bodyPr>
+            <a:lstStyle/>
+            <a:p>
+              <a:r>
+                <a:rPr kumimoji="1" lang="ja-JP" altLang="en-US" b="1" dirty="0" smtClean="0">
+                  <a:solidFill>
+                    <a:schemeClr val="bg1"/>
+                  </a:solidFill>
+                </a:rPr>
+                <a:t>②</a:t>
+              </a:r>
+              <a:endParaRPr kumimoji="1" lang="ja-JP" altLang="en-US" b="1" dirty="0">
                 <a:solidFill>
                   <a:schemeClr val="bg1"/>
                 </a:solidFill>
-              </a:rPr>
-              <a:t>②</a:t>
-            </a:r>
-            <a:endParaRPr kumimoji="1" lang="ja-JP" altLang="en-US" b="1" dirty="0">
-              <a:solidFill>
-                <a:schemeClr val="bg1"/>
-              </a:solidFill>
-            </a:endParaRPr>
-          </a:p>
-        </p:txBody>
-      </p:sp>
-      <p:sp>
-        <p:nvSpPr>
-          <p:cNvPr id="436" name="テキスト ボックス 435"/>
-          <p:cNvSpPr txBox="1"/>
-          <p:nvPr/>
-        </p:nvSpPr>
-        <p:spPr>
-          <a:xfrm>
-            <a:off x="8814482" y="6055914"/>
-            <a:ext cx="415498" cy="369332"/>
-          </a:xfrm>
-          <a:prstGeom prst="rect">
-            <a:avLst/>
-          </a:prstGeom>
-          <a:noFill/>
-        </p:spPr>
-        <p:txBody>
-          <a:bodyPr wrap="none" rtlCol="0">
-            <a:spAutoFit/>
-          </a:bodyPr>
-          <a:lstStyle/>
-          <a:p>
-            <a:r>
-              <a:rPr kumimoji="1" lang="ja-JP" altLang="en-US" b="1" dirty="0" smtClean="0">
+              </a:endParaRPr>
+            </a:p>
+          </p:txBody>
+        </p:sp>
+        <p:sp>
+          <p:nvSpPr>
+            <p:cNvPr id="436" name="テキスト ボックス 435"/>
+            <p:cNvSpPr txBox="1"/>
+            <p:nvPr/>
+          </p:nvSpPr>
+          <p:spPr>
+            <a:xfrm>
+              <a:off x="8814482" y="6055914"/>
+              <a:ext cx="415498" cy="369332"/>
+            </a:xfrm>
+            <a:prstGeom prst="rect">
+              <a:avLst/>
+            </a:prstGeom>
+            <a:noFill/>
+          </p:spPr>
+          <p:txBody>
+            <a:bodyPr wrap="none" rtlCol="0">
+              <a:spAutoFit/>
+            </a:bodyPr>
+            <a:lstStyle/>
+            <a:p>
+              <a:r>
+                <a:rPr kumimoji="1" lang="ja-JP" altLang="en-US" b="1" dirty="0" smtClean="0">
+                  <a:solidFill>
+                    <a:schemeClr val="bg1"/>
+                  </a:solidFill>
+                </a:rPr>
+                <a:t>③</a:t>
+              </a:r>
+              <a:endParaRPr kumimoji="1" lang="ja-JP" altLang="en-US" b="1" dirty="0">
                 <a:solidFill>
                   <a:schemeClr val="bg1"/>
                 </a:solidFill>
-              </a:rPr>
-              <a:t>③</a:t>
-            </a:r>
-            <a:endParaRPr kumimoji="1" lang="ja-JP" altLang="en-US" b="1" dirty="0">
-              <a:solidFill>
-                <a:schemeClr val="bg1"/>
-              </a:solidFill>
-            </a:endParaRPr>
-          </a:p>
-        </p:txBody>
-      </p:sp>
-      <p:sp>
-        <p:nvSpPr>
-          <p:cNvPr id="437" name="テキスト ボックス 436"/>
-          <p:cNvSpPr txBox="1"/>
-          <p:nvPr/>
-        </p:nvSpPr>
-        <p:spPr>
-          <a:xfrm>
-            <a:off x="7758258" y="6039802"/>
-            <a:ext cx="415498" cy="369332"/>
-          </a:xfrm>
-          <a:prstGeom prst="rect">
-            <a:avLst/>
-          </a:prstGeom>
-          <a:noFill/>
-        </p:spPr>
-        <p:txBody>
-          <a:bodyPr wrap="none" rtlCol="0">
-            <a:spAutoFit/>
-          </a:bodyPr>
-          <a:lstStyle/>
-          <a:p>
-            <a:r>
-              <a:rPr kumimoji="1" lang="ja-JP" altLang="en-US" b="1" dirty="0" smtClean="0">
+              </a:endParaRPr>
+            </a:p>
+          </p:txBody>
+        </p:sp>
+        <p:sp>
+          <p:nvSpPr>
+            <p:cNvPr id="437" name="テキスト ボックス 436"/>
+            <p:cNvSpPr txBox="1"/>
+            <p:nvPr/>
+          </p:nvSpPr>
+          <p:spPr>
+            <a:xfrm>
+              <a:off x="7758258" y="6039802"/>
+              <a:ext cx="415498" cy="369332"/>
+            </a:xfrm>
+            <a:prstGeom prst="rect">
+              <a:avLst/>
+            </a:prstGeom>
+            <a:noFill/>
+          </p:spPr>
+          <p:txBody>
+            <a:bodyPr wrap="none" rtlCol="0">
+              <a:spAutoFit/>
+            </a:bodyPr>
+            <a:lstStyle/>
+            <a:p>
+              <a:r>
+                <a:rPr kumimoji="1" lang="ja-JP" altLang="en-US" b="1" dirty="0" smtClean="0">
+                  <a:solidFill>
+                    <a:schemeClr val="bg1"/>
+                  </a:solidFill>
+                </a:rPr>
+                <a:t>⑤</a:t>
+              </a:r>
+              <a:endParaRPr kumimoji="1" lang="ja-JP" altLang="en-US" b="1" dirty="0">
                 <a:solidFill>
                   <a:schemeClr val="bg1"/>
                 </a:solidFill>
-              </a:rPr>
-              <a:t>⑤</a:t>
-            </a:r>
-            <a:endParaRPr kumimoji="1" lang="ja-JP" altLang="en-US" b="1" dirty="0">
-              <a:solidFill>
-                <a:schemeClr val="bg1"/>
-              </a:solidFill>
-            </a:endParaRPr>
-          </a:p>
-        </p:txBody>
-      </p:sp>
-      <p:sp>
-        <p:nvSpPr>
-          <p:cNvPr id="438" name="テキスト ボックス 437"/>
-          <p:cNvSpPr txBox="1"/>
-          <p:nvPr/>
-        </p:nvSpPr>
-        <p:spPr>
-          <a:xfrm>
-            <a:off x="6301484" y="6037142"/>
-            <a:ext cx="415498" cy="369332"/>
-          </a:xfrm>
-          <a:prstGeom prst="rect">
-            <a:avLst/>
-          </a:prstGeom>
-          <a:noFill/>
-        </p:spPr>
-        <p:txBody>
-          <a:bodyPr wrap="none" rtlCol="0">
-            <a:spAutoFit/>
-          </a:bodyPr>
-          <a:lstStyle/>
-          <a:p>
-            <a:r>
-              <a:rPr kumimoji="1" lang="ja-JP" altLang="en-US" b="1" dirty="0" smtClean="0">
+              </a:endParaRPr>
+            </a:p>
+          </p:txBody>
+        </p:sp>
+        <p:sp>
+          <p:nvSpPr>
+            <p:cNvPr id="438" name="テキスト ボックス 437"/>
+            <p:cNvSpPr txBox="1"/>
+            <p:nvPr/>
+          </p:nvSpPr>
+          <p:spPr>
+            <a:xfrm>
+              <a:off x="6301484" y="6037142"/>
+              <a:ext cx="415498" cy="369332"/>
+            </a:xfrm>
+            <a:prstGeom prst="rect">
+              <a:avLst/>
+            </a:prstGeom>
+            <a:noFill/>
+          </p:spPr>
+          <p:txBody>
+            <a:bodyPr wrap="none" rtlCol="0">
+              <a:spAutoFit/>
+            </a:bodyPr>
+            <a:lstStyle/>
+            <a:p>
+              <a:r>
+                <a:rPr kumimoji="1" lang="ja-JP" altLang="en-US" b="1" dirty="0" smtClean="0">
+                  <a:solidFill>
+                    <a:schemeClr val="bg1"/>
+                  </a:solidFill>
+                </a:rPr>
+                <a:t>⑦</a:t>
+              </a:r>
+              <a:endParaRPr kumimoji="1" lang="ja-JP" altLang="en-US" b="1" dirty="0">
                 <a:solidFill>
                   <a:schemeClr val="bg1"/>
                 </a:solidFill>
-              </a:rPr>
-              <a:t>⑦</a:t>
-            </a:r>
-            <a:endParaRPr kumimoji="1" lang="ja-JP" altLang="en-US" b="1" dirty="0">
-              <a:solidFill>
-                <a:schemeClr val="bg1"/>
-              </a:solidFill>
-            </a:endParaRPr>
-          </a:p>
-        </p:txBody>
-      </p:sp>
-      <p:sp>
-        <p:nvSpPr>
-          <p:cNvPr id="439" name="テキスト ボックス 438"/>
-          <p:cNvSpPr txBox="1"/>
-          <p:nvPr/>
-        </p:nvSpPr>
-        <p:spPr>
-          <a:xfrm>
-            <a:off x="5018784" y="5871248"/>
-            <a:ext cx="415498" cy="369332"/>
-          </a:xfrm>
-          <a:prstGeom prst="rect">
-            <a:avLst/>
-          </a:prstGeom>
-          <a:noFill/>
-        </p:spPr>
-        <p:txBody>
-          <a:bodyPr wrap="none" rtlCol="0">
-            <a:spAutoFit/>
-          </a:bodyPr>
-          <a:lstStyle/>
-          <a:p>
-            <a:r>
-              <a:rPr kumimoji="1" lang="ja-JP" altLang="en-US" b="1" dirty="0" smtClean="0">
+              </a:endParaRPr>
+            </a:p>
+          </p:txBody>
+        </p:sp>
+        <p:sp>
+          <p:nvSpPr>
+            <p:cNvPr id="439" name="テキスト ボックス 438"/>
+            <p:cNvSpPr txBox="1"/>
+            <p:nvPr/>
+          </p:nvSpPr>
+          <p:spPr>
+            <a:xfrm>
+              <a:off x="5018784" y="5871248"/>
+              <a:ext cx="415498" cy="369332"/>
+            </a:xfrm>
+            <a:prstGeom prst="rect">
+              <a:avLst/>
+            </a:prstGeom>
+            <a:noFill/>
+          </p:spPr>
+          <p:txBody>
+            <a:bodyPr wrap="none" rtlCol="0">
+              <a:spAutoFit/>
+            </a:bodyPr>
+            <a:lstStyle/>
+            <a:p>
+              <a:r>
+                <a:rPr kumimoji="1" lang="ja-JP" altLang="en-US" b="1" dirty="0" smtClean="0">
+                  <a:solidFill>
+                    <a:schemeClr val="bg1"/>
+                  </a:solidFill>
+                </a:rPr>
+                <a:t>⑨</a:t>
+              </a:r>
+              <a:endParaRPr kumimoji="1" lang="ja-JP" altLang="en-US" b="1" dirty="0">
                 <a:solidFill>
                   <a:schemeClr val="bg1"/>
                 </a:solidFill>
-              </a:rPr>
-              <a:t>⑨</a:t>
-            </a:r>
-            <a:endParaRPr kumimoji="1" lang="ja-JP" altLang="en-US" b="1" dirty="0">
-              <a:solidFill>
-                <a:schemeClr val="bg1"/>
-              </a:solidFill>
-            </a:endParaRPr>
-          </a:p>
-        </p:txBody>
-      </p:sp>
-      <p:sp>
-        <p:nvSpPr>
-          <p:cNvPr id="440" name="テキスト ボックス 439"/>
-          <p:cNvSpPr txBox="1"/>
-          <p:nvPr/>
-        </p:nvSpPr>
-        <p:spPr>
-          <a:xfrm>
-            <a:off x="3848403" y="6037142"/>
-            <a:ext cx="418704" cy="369332"/>
-          </a:xfrm>
-          <a:prstGeom prst="rect">
-            <a:avLst/>
-          </a:prstGeom>
-          <a:noFill/>
-        </p:spPr>
-        <p:txBody>
-          <a:bodyPr wrap="none" rtlCol="0">
-            <a:spAutoFit/>
-          </a:bodyPr>
-          <a:lstStyle/>
-          <a:p>
-            <a:r>
-              <a:rPr kumimoji="1" lang="ja-JP" altLang="en-US" b="1" dirty="0" smtClean="0">
+              </a:endParaRPr>
+            </a:p>
+          </p:txBody>
+        </p:sp>
+        <p:sp>
+          <p:nvSpPr>
+            <p:cNvPr id="440" name="テキスト ボックス 439"/>
+            <p:cNvSpPr txBox="1"/>
+            <p:nvPr/>
+          </p:nvSpPr>
+          <p:spPr>
+            <a:xfrm>
+              <a:off x="3848403" y="6037142"/>
+              <a:ext cx="418704" cy="369332"/>
+            </a:xfrm>
+            <a:prstGeom prst="rect">
+              <a:avLst/>
+            </a:prstGeom>
+            <a:noFill/>
+          </p:spPr>
+          <p:txBody>
+            <a:bodyPr wrap="none" rtlCol="0">
+              <a:spAutoFit/>
+            </a:bodyPr>
+            <a:lstStyle/>
+            <a:p>
+              <a:r>
+                <a:rPr kumimoji="1" lang="ja-JP" altLang="en-US" b="1" dirty="0" smtClean="0">
+                  <a:solidFill>
+                    <a:schemeClr val="bg1"/>
+                  </a:solidFill>
+                </a:rPr>
+                <a:t>⑪</a:t>
+              </a:r>
+              <a:endParaRPr kumimoji="1" lang="ja-JP" altLang="en-US" b="1" dirty="0">
                 <a:solidFill>
                   <a:schemeClr val="bg1"/>
                 </a:solidFill>
-              </a:rPr>
-              <a:t>⑪</a:t>
-            </a:r>
-            <a:endParaRPr kumimoji="1" lang="ja-JP" altLang="en-US" b="1" dirty="0">
-              <a:solidFill>
-                <a:schemeClr val="bg1"/>
-              </a:solidFill>
-            </a:endParaRPr>
-          </a:p>
-        </p:txBody>
-      </p:sp>
-      <p:sp>
-        <p:nvSpPr>
-          <p:cNvPr id="441" name="テキスト ボックス 440"/>
-          <p:cNvSpPr txBox="1"/>
-          <p:nvPr/>
-        </p:nvSpPr>
-        <p:spPr>
-          <a:xfrm>
-            <a:off x="3080358" y="6020236"/>
-            <a:ext cx="418704" cy="369332"/>
-          </a:xfrm>
-          <a:prstGeom prst="rect">
-            <a:avLst/>
-          </a:prstGeom>
-          <a:noFill/>
-        </p:spPr>
-        <p:txBody>
-          <a:bodyPr wrap="none" rtlCol="0">
-            <a:spAutoFit/>
-          </a:bodyPr>
-          <a:lstStyle/>
-          <a:p>
-            <a:r>
-              <a:rPr kumimoji="1" lang="ja-JP" altLang="en-US" b="1" dirty="0" smtClean="0">
+              </a:endParaRPr>
+            </a:p>
+          </p:txBody>
+        </p:sp>
+        <p:sp>
+          <p:nvSpPr>
+            <p:cNvPr id="441" name="テキスト ボックス 440"/>
+            <p:cNvSpPr txBox="1"/>
+            <p:nvPr/>
+          </p:nvSpPr>
+          <p:spPr>
+            <a:xfrm>
+              <a:off x="3080358" y="6020236"/>
+              <a:ext cx="418704" cy="369332"/>
+            </a:xfrm>
+            <a:prstGeom prst="rect">
+              <a:avLst/>
+            </a:prstGeom>
+            <a:noFill/>
+          </p:spPr>
+          <p:txBody>
+            <a:bodyPr wrap="none" rtlCol="0">
+              <a:spAutoFit/>
+            </a:bodyPr>
+            <a:lstStyle/>
+            <a:p>
+              <a:r>
+                <a:rPr kumimoji="1" lang="ja-JP" altLang="en-US" b="1" dirty="0" smtClean="0">
+                  <a:solidFill>
+                    <a:schemeClr val="bg1"/>
+                  </a:solidFill>
+                </a:rPr>
+                <a:t>⑫</a:t>
+              </a:r>
+              <a:endParaRPr kumimoji="1" lang="ja-JP" altLang="en-US" b="1" dirty="0">
                 <a:solidFill>
                   <a:schemeClr val="bg1"/>
                 </a:solidFill>
-              </a:rPr>
-              <a:t>⑫</a:t>
-            </a:r>
-            <a:endParaRPr kumimoji="1" lang="ja-JP" altLang="en-US" b="1" dirty="0">
-              <a:solidFill>
-                <a:schemeClr val="bg1"/>
-              </a:solidFill>
-            </a:endParaRPr>
-          </a:p>
-        </p:txBody>
-      </p:sp>
-      <p:sp>
-        <p:nvSpPr>
-          <p:cNvPr id="442" name="テキスト ボックス 441"/>
-          <p:cNvSpPr txBox="1"/>
-          <p:nvPr/>
-        </p:nvSpPr>
-        <p:spPr>
-          <a:xfrm>
-            <a:off x="9230846" y="5655804"/>
-            <a:ext cx="1210588" cy="400110"/>
-          </a:xfrm>
-          <a:prstGeom prst="rect">
-            <a:avLst/>
-          </a:prstGeom>
-          <a:noFill/>
-        </p:spPr>
-        <p:txBody>
-          <a:bodyPr wrap="none" rtlCol="0">
-            <a:spAutoFit/>
-          </a:bodyPr>
-          <a:lstStyle/>
-          <a:p>
-            <a:r>
-              <a:rPr kumimoji="1" lang="ja-JP" altLang="en-US" sz="2000" b="1" dirty="0" smtClean="0"/>
-              <a:t>出発位置</a:t>
-            </a:r>
-            <a:endParaRPr kumimoji="1" lang="ja-JP" altLang="en-US" sz="2000" b="1" dirty="0"/>
-          </a:p>
-        </p:txBody>
-      </p:sp>
-      <p:sp>
-        <p:nvSpPr>
-          <p:cNvPr id="443" name="テキスト ボックス 442"/>
-          <p:cNvSpPr txBox="1"/>
-          <p:nvPr/>
-        </p:nvSpPr>
-        <p:spPr>
-          <a:xfrm>
-            <a:off x="9081214" y="6016445"/>
-            <a:ext cx="1210588" cy="400110"/>
-          </a:xfrm>
-          <a:prstGeom prst="rect">
-            <a:avLst/>
-          </a:prstGeom>
-          <a:noFill/>
-        </p:spPr>
-        <p:txBody>
-          <a:bodyPr wrap="none" rtlCol="0">
-            <a:spAutoFit/>
-          </a:bodyPr>
-          <a:lstStyle/>
-          <a:p>
-            <a:r>
-              <a:rPr kumimoji="1" lang="ja-JP" altLang="en-US" sz="2000" b="1" dirty="0" smtClean="0"/>
-              <a:t>（公園）</a:t>
-            </a:r>
-            <a:endParaRPr kumimoji="1" lang="ja-JP" altLang="en-US" sz="2000" b="1" dirty="0"/>
-          </a:p>
-        </p:txBody>
-      </p:sp>
-      <p:sp>
-        <p:nvSpPr>
-          <p:cNvPr id="444" name="テキスト ボックス 443"/>
-          <p:cNvSpPr txBox="1"/>
-          <p:nvPr/>
-        </p:nvSpPr>
-        <p:spPr>
-          <a:xfrm>
-            <a:off x="1470323" y="5157625"/>
-            <a:ext cx="1210588" cy="400110"/>
-          </a:xfrm>
-          <a:prstGeom prst="rect">
-            <a:avLst/>
-          </a:prstGeom>
-          <a:noFill/>
-        </p:spPr>
-        <p:txBody>
-          <a:bodyPr wrap="none" rtlCol="0">
-            <a:spAutoFit/>
-          </a:bodyPr>
-          <a:lstStyle/>
-          <a:p>
-            <a:r>
-              <a:rPr kumimoji="1" lang="ja-JP" altLang="en-US" sz="2000" b="1" dirty="0" smtClean="0"/>
-              <a:t>目的位置</a:t>
-            </a:r>
-            <a:endParaRPr kumimoji="1" lang="ja-JP" altLang="en-US" sz="2000" b="1" dirty="0"/>
-          </a:p>
-        </p:txBody>
-      </p:sp>
-      <p:sp>
-        <p:nvSpPr>
-          <p:cNvPr id="445" name="テキスト ボックス 444"/>
-          <p:cNvSpPr txBox="1"/>
-          <p:nvPr/>
-        </p:nvSpPr>
-        <p:spPr>
-          <a:xfrm>
-            <a:off x="1456995" y="5497363"/>
-            <a:ext cx="1210588" cy="400110"/>
-          </a:xfrm>
-          <a:prstGeom prst="rect">
-            <a:avLst/>
-          </a:prstGeom>
-          <a:noFill/>
-        </p:spPr>
-        <p:txBody>
-          <a:bodyPr wrap="none" rtlCol="0">
-            <a:spAutoFit/>
-          </a:bodyPr>
-          <a:lstStyle/>
-          <a:p>
-            <a:r>
-              <a:rPr kumimoji="1" lang="ja-JP" altLang="en-US" sz="2000" b="1" dirty="0" smtClean="0"/>
-              <a:t>（学校）</a:t>
-            </a:r>
-            <a:endParaRPr kumimoji="1" lang="ja-JP" altLang="en-US" sz="2000" b="1" dirty="0"/>
-          </a:p>
-        </p:txBody>
-      </p:sp>
+              </a:endParaRPr>
+            </a:p>
+          </p:txBody>
+        </p:sp>
+        <p:sp>
+          <p:nvSpPr>
+            <p:cNvPr id="442" name="テキスト ボックス 441"/>
+            <p:cNvSpPr txBox="1"/>
+            <p:nvPr/>
+          </p:nvSpPr>
+          <p:spPr>
+            <a:xfrm>
+              <a:off x="9230846" y="5655804"/>
+              <a:ext cx="1210588" cy="400110"/>
+            </a:xfrm>
+            <a:prstGeom prst="rect">
+              <a:avLst/>
+            </a:prstGeom>
+            <a:noFill/>
+          </p:spPr>
+          <p:txBody>
+            <a:bodyPr wrap="none" rtlCol="0">
+              <a:spAutoFit/>
+            </a:bodyPr>
+            <a:lstStyle/>
+            <a:p>
+              <a:r>
+                <a:rPr kumimoji="1" lang="ja-JP" altLang="en-US" sz="2000" b="1" dirty="0" smtClean="0"/>
+                <a:t>出発位置</a:t>
+              </a:r>
+              <a:endParaRPr kumimoji="1" lang="ja-JP" altLang="en-US" sz="2000" b="1" dirty="0"/>
+            </a:p>
+          </p:txBody>
+        </p:sp>
+        <p:sp>
+          <p:nvSpPr>
+            <p:cNvPr id="443" name="テキスト ボックス 442"/>
+            <p:cNvSpPr txBox="1"/>
+            <p:nvPr/>
+          </p:nvSpPr>
+          <p:spPr>
+            <a:xfrm>
+              <a:off x="9081214" y="6016445"/>
+              <a:ext cx="1210588" cy="400110"/>
+            </a:xfrm>
+            <a:prstGeom prst="rect">
+              <a:avLst/>
+            </a:prstGeom>
+            <a:noFill/>
+          </p:spPr>
+          <p:txBody>
+            <a:bodyPr wrap="none" rtlCol="0">
+              <a:spAutoFit/>
+            </a:bodyPr>
+            <a:lstStyle/>
+            <a:p>
+              <a:r>
+                <a:rPr kumimoji="1" lang="ja-JP" altLang="en-US" sz="2000" b="1" dirty="0" smtClean="0"/>
+                <a:t>（公園）</a:t>
+              </a:r>
+              <a:endParaRPr kumimoji="1" lang="ja-JP" altLang="en-US" sz="2000" b="1" dirty="0"/>
+            </a:p>
+          </p:txBody>
+        </p:sp>
+        <p:sp>
+          <p:nvSpPr>
+            <p:cNvPr id="444" name="テキスト ボックス 443"/>
+            <p:cNvSpPr txBox="1"/>
+            <p:nvPr/>
+          </p:nvSpPr>
+          <p:spPr>
+            <a:xfrm>
+              <a:off x="1470323" y="5157625"/>
+              <a:ext cx="1210588" cy="400110"/>
+            </a:xfrm>
+            <a:prstGeom prst="rect">
+              <a:avLst/>
+            </a:prstGeom>
+            <a:noFill/>
+          </p:spPr>
+          <p:txBody>
+            <a:bodyPr wrap="none" rtlCol="0">
+              <a:spAutoFit/>
+            </a:bodyPr>
+            <a:lstStyle/>
+            <a:p>
+              <a:r>
+                <a:rPr kumimoji="1" lang="ja-JP" altLang="en-US" sz="2000" b="1" dirty="0" smtClean="0"/>
+                <a:t>目的位置</a:t>
+              </a:r>
+              <a:endParaRPr kumimoji="1" lang="ja-JP" altLang="en-US" sz="2000" b="1" dirty="0"/>
+            </a:p>
+          </p:txBody>
+        </p:sp>
+        <p:sp>
+          <p:nvSpPr>
+            <p:cNvPr id="445" name="テキスト ボックス 444"/>
+            <p:cNvSpPr txBox="1"/>
+            <p:nvPr/>
+          </p:nvSpPr>
+          <p:spPr>
+            <a:xfrm>
+              <a:off x="1456995" y="5497363"/>
+              <a:ext cx="1210588" cy="400110"/>
+            </a:xfrm>
+            <a:prstGeom prst="rect">
+              <a:avLst/>
+            </a:prstGeom>
+            <a:noFill/>
+          </p:spPr>
+          <p:txBody>
+            <a:bodyPr wrap="none" rtlCol="0">
+              <a:spAutoFit/>
+            </a:bodyPr>
+            <a:lstStyle/>
+            <a:p>
+              <a:r>
+                <a:rPr kumimoji="1" lang="ja-JP" altLang="en-US" sz="2000" b="1" dirty="0" smtClean="0"/>
+                <a:t>（学校）</a:t>
+              </a:r>
+              <a:endParaRPr kumimoji="1" lang="ja-JP" altLang="en-US" sz="2000" b="1" dirty="0"/>
+            </a:p>
+          </p:txBody>
+        </p:sp>
+      </p:grpSp>
     </p:spTree>
     <p:extLst>
       <p:ext uri="{BB962C8B-B14F-4D97-AF65-F5344CB8AC3E}">
